--- a/以太坊教程/4_2_以太坊交易详解.pptx
+++ b/以太坊教程/4_2_以太坊交易详解.pptx
@@ -6616,11 +6616,23 @@
             </a:r>
             <a:r>
               <a:rPr lang="zh-CN" altLang="zh-CN" sz="2000" dirty="0"/>
-              <a:t>币购买</a:t>
+              <a:t>币</a:t>
             </a:r>
             <a:r>
               <a:rPr lang="zh-CN" altLang="zh-CN" sz="2000" dirty="0" smtClean="0"/>
-              <a:t>汽油。</a:t>
+              <a:t>购买</a:t>
+            </a:r>
+            <a:r>
+              <a:rPr lang="en-US" altLang="zh-CN" sz="2000" smtClean="0"/>
+              <a:t> </a:t>
+            </a:r>
+            <a:r>
+              <a:rPr lang="en-US" altLang="zh-CN" sz="2000" smtClean="0"/>
+              <a:t>gas</a:t>
+            </a:r>
+            <a:r>
+              <a:rPr lang="zh-CN" altLang="zh-CN" sz="2000" dirty="0" smtClean="0"/>
+              <a:t>。</a:t>
             </a:r>
             <a:r>
               <a:rPr lang="zh-CN" altLang="zh-CN" sz="2000" dirty="0"/>
